--- a/Theano Project Presentation Main.pptx
+++ b/Theano Project Presentation Main.pptx
@@ -8244,7 +8244,7 @@
               <a:rPr lang="en-GB" sz="1600" dirty="0">
                 <a:latin typeface="PT Sans" panose="020B0503020203020204" pitchFamily="34" charset="77"/>
               </a:rPr>
-              <a:t>And for the predictions that were wrong, majority fell in the next level in range of fatalities, which means our model generalised well on the dataset.</a:t>
+              <a:t>And for the predictions that were wrong, majority fell to the next level in the range of fatalities, which means our model generalised well on the dataset.</a:t>
             </a:r>
           </a:p>
         </p:txBody>
